--- a/Project Sprint 3(1).pptx
+++ b/Project Sprint 3(1).pptx
@@ -121,6 +121,14 @@
     </p:ext>
   </p:extLst>
 </p:presentation>
+</file>
+
+<file path=ppt/revisionInfo.xml><?xml version="1.0" encoding="utf-8"?>
+<p1510:revInfo xmlns:a="http://schemas.openxmlformats.org/drawingml/2006/main" xmlns:r="http://schemas.openxmlformats.org/officeDocument/2006/relationships" xmlns:p1510="http://schemas.microsoft.com/office/powerpoint/2015/10/main">
+  <p1510:revLst>
+    <p1510:client id="{7AF4A577-A638-414E-8027-257B3E8B690C}" v="35" dt="2023-07-20T14:15:45.496"/>
+  </p1510:revLst>
+</p1510:revInfo>
 </file>
 
 <file path=ppt/slideLayouts/slideLayout1.xml><?xml version="1.0" encoding="utf-8"?>
@@ -3475,6 +3483,118 @@
           </a:p>
         </p:txBody>
       </p:sp>
+      <p:sp>
+        <p:nvSpPr>
+          <p:cNvPr id="4" name="TextBox 3">
+            <a:extLst>
+              <a:ext uri="{FF2B5EF4-FFF2-40B4-BE49-F238E27FC236}">
+                <a16:creationId xmlns:a16="http://schemas.microsoft.com/office/drawing/2014/main" id="{5747561E-5B2F-01B0-5330-EC777B629B5D}"/>
+              </a:ext>
+            </a:extLst>
+          </p:cNvPr>
+          <p:cNvSpPr txBox="1"/>
+          <p:nvPr/>
+        </p:nvSpPr>
+        <p:spPr>
+          <a:xfrm>
+            <a:off x="4429496" y="4583875"/>
+            <a:ext cx="3503221" cy="1754326"/>
+          </a:xfrm>
+          <a:prstGeom prst="rect">
+            <a:avLst/>
+          </a:prstGeom>
+          <a:noFill/>
+        </p:spPr>
+        <p:txBody>
+          <a:bodyPr wrap="square" rtlCol="0">
+            <a:spAutoFit/>
+          </a:bodyPr>
+          <a:lstStyle/>
+          <a:p>
+            <a:r>
+              <a:rPr lang="en-US" dirty="0">
+                <a:hlinkClick r:id="rId3"/>
+              </a:rPr>
+              <a:t>https://github.com/ksu-is/Magically-Magic-8-Ball</a:t>
+            </a:r>
+            <a:endParaRPr lang="en-US" dirty="0"/>
+          </a:p>
+          <a:p>
+            <a:r>
+              <a:rPr lang="en-US" dirty="0">
+                <a:hlinkClick r:id="rId4"/>
+              </a:rPr>
+              <a:t>https://github.com/ksu-is/Magically-Magic-8-Ball/blob/main/Magic%208-Ball.py</a:t>
+            </a:r>
+            <a:endParaRPr lang="en-US" dirty="0"/>
+          </a:p>
+          <a:p>
+            <a:endParaRPr lang="en-US" dirty="0"/>
+          </a:p>
+        </p:txBody>
+      </p:sp>
+      <p:sp>
+        <p:nvSpPr>
+          <p:cNvPr id="8" name="TextBox 7">
+            <a:extLst>
+              <a:ext uri="{FF2B5EF4-FFF2-40B4-BE49-F238E27FC236}">
+                <a16:creationId xmlns:a16="http://schemas.microsoft.com/office/drawing/2014/main" id="{DD6E2E70-ECD7-DF00-69E3-39B22D84E541}"/>
+              </a:ext>
+            </a:extLst>
+          </p:cNvPr>
+          <p:cNvSpPr txBox="1"/>
+          <p:nvPr/>
+        </p:nvSpPr>
+        <p:spPr>
+          <a:xfrm>
+            <a:off x="3903785" y="369408"/>
+            <a:ext cx="6169230" cy="369332"/>
+          </a:xfrm>
+          <a:prstGeom prst="rect">
+            <a:avLst/>
+          </a:prstGeom>
+          <a:noFill/>
+        </p:spPr>
+        <p:txBody>
+          <a:bodyPr wrap="square">
+            <a:spAutoFit/>
+          </a:bodyPr>
+          <a:lstStyle/>
+          <a:p>
+            <a:endParaRPr lang="en-US" dirty="0"/>
+          </a:p>
+        </p:txBody>
+      </p:sp>
+      <p:pic>
+        <p:nvPicPr>
+          <p:cNvPr id="10" name="Picture 9" descr="A screenshot of a computer&#10;&#10;Description automatically generated">
+            <a:extLst>
+              <a:ext uri="{FF2B5EF4-FFF2-40B4-BE49-F238E27FC236}">
+                <a16:creationId xmlns:a16="http://schemas.microsoft.com/office/drawing/2014/main" id="{E296EBCF-A2B1-A583-332D-A726844C9CB7}"/>
+              </a:ext>
+            </a:extLst>
+          </p:cNvPr>
+          <p:cNvPicPr>
+            <a:picLocks noChangeAspect="1"/>
+          </p:cNvPicPr>
+          <p:nvPr/>
+        </p:nvPicPr>
+        <p:blipFill>
+          <a:blip r:embed="rId5"/>
+          <a:stretch>
+            <a:fillRect/>
+          </a:stretch>
+        </p:blipFill>
+        <p:spPr>
+          <a:xfrm>
+            <a:off x="7932718" y="4501600"/>
+            <a:ext cx="4096986" cy="2112956"/>
+          </a:xfrm>
+          <a:prstGeom prst="rect">
+            <a:avLst/>
+          </a:prstGeom>
+        </p:spPr>
+      </p:pic>
     </p:spTree>
     <p:extLst>
       <p:ext uri="{BB962C8B-B14F-4D97-AF65-F5344CB8AC3E}">
